--- a/ReduxToReact.pptx
+++ b/ReduxToReact.pptx
@@ -13790,8 +13790,8 @@
               <a:buNone/>
             </a:pPr>
             <a:r>
-              <a:rPr lang="en-US" dirty="0" err="1"/>
-              <a:t>Redux’s</a:t>
+              <a:rPr lang="en-US"/>
+              <a:t>Reduxs</a:t>
             </a:r>
             <a:r>
               <a:rPr lang="en-US" dirty="0"/>
